--- a/imgsrc/figures.pptx
+++ b/imgsrc/figures.pptx
@@ -274,7 +274,7 @@
           <a:p>
             <a:fld id="{C5594784-FE11-467A-96E8-611C48A72E76}" type="datetimeFigureOut">
               <a:rPr lang="en-US" smtClean="0"/>
-              <a:t>3/15/2021</a:t>
+              <a:t>5/3/2021</a:t>
             </a:fld>
             <a:endParaRPr lang="en-US"/>
           </a:p>
@@ -474,7 +474,7 @@
           <a:p>
             <a:fld id="{C5594784-FE11-467A-96E8-611C48A72E76}" type="datetimeFigureOut">
               <a:rPr lang="en-US" smtClean="0"/>
-              <a:t>3/15/2021</a:t>
+              <a:t>5/3/2021</a:t>
             </a:fld>
             <a:endParaRPr lang="en-US"/>
           </a:p>
@@ -684,7 +684,7 @@
           <a:p>
             <a:fld id="{C5594784-FE11-467A-96E8-611C48A72E76}" type="datetimeFigureOut">
               <a:rPr lang="en-US" smtClean="0"/>
-              <a:t>3/15/2021</a:t>
+              <a:t>5/3/2021</a:t>
             </a:fld>
             <a:endParaRPr lang="en-US"/>
           </a:p>
@@ -884,7 +884,7 @@
           <a:p>
             <a:fld id="{C5594784-FE11-467A-96E8-611C48A72E76}" type="datetimeFigureOut">
               <a:rPr lang="en-US" smtClean="0"/>
-              <a:t>3/15/2021</a:t>
+              <a:t>5/3/2021</a:t>
             </a:fld>
             <a:endParaRPr lang="en-US"/>
           </a:p>
@@ -1160,7 +1160,7 @@
           <a:p>
             <a:fld id="{C5594784-FE11-467A-96E8-611C48A72E76}" type="datetimeFigureOut">
               <a:rPr lang="en-US" smtClean="0"/>
-              <a:t>3/15/2021</a:t>
+              <a:t>5/3/2021</a:t>
             </a:fld>
             <a:endParaRPr lang="en-US"/>
           </a:p>
@@ -1428,7 +1428,7 @@
           <a:p>
             <a:fld id="{C5594784-FE11-467A-96E8-611C48A72E76}" type="datetimeFigureOut">
               <a:rPr lang="en-US" smtClean="0"/>
-              <a:t>3/15/2021</a:t>
+              <a:t>5/3/2021</a:t>
             </a:fld>
             <a:endParaRPr lang="en-US"/>
           </a:p>
@@ -1843,7 +1843,7 @@
           <a:p>
             <a:fld id="{C5594784-FE11-467A-96E8-611C48A72E76}" type="datetimeFigureOut">
               <a:rPr lang="en-US" smtClean="0"/>
-              <a:t>3/15/2021</a:t>
+              <a:t>5/3/2021</a:t>
             </a:fld>
             <a:endParaRPr lang="en-US"/>
           </a:p>
@@ -1985,7 +1985,7 @@
           <a:p>
             <a:fld id="{C5594784-FE11-467A-96E8-611C48A72E76}" type="datetimeFigureOut">
               <a:rPr lang="en-US" smtClean="0"/>
-              <a:t>3/15/2021</a:t>
+              <a:t>5/3/2021</a:t>
             </a:fld>
             <a:endParaRPr lang="en-US"/>
           </a:p>
@@ -2098,7 +2098,7 @@
           <a:p>
             <a:fld id="{C5594784-FE11-467A-96E8-611C48A72E76}" type="datetimeFigureOut">
               <a:rPr lang="en-US" smtClean="0"/>
-              <a:t>3/15/2021</a:t>
+              <a:t>5/3/2021</a:t>
             </a:fld>
             <a:endParaRPr lang="en-US"/>
           </a:p>
@@ -2411,7 +2411,7 @@
           <a:p>
             <a:fld id="{C5594784-FE11-467A-96E8-611C48A72E76}" type="datetimeFigureOut">
               <a:rPr lang="en-US" smtClean="0"/>
-              <a:t>3/15/2021</a:t>
+              <a:t>5/3/2021</a:t>
             </a:fld>
             <a:endParaRPr lang="en-US"/>
           </a:p>
@@ -2700,7 +2700,7 @@
           <a:p>
             <a:fld id="{C5594784-FE11-467A-96E8-611C48A72E76}" type="datetimeFigureOut">
               <a:rPr lang="en-US" smtClean="0"/>
-              <a:t>3/15/2021</a:t>
+              <a:t>5/3/2021</a:t>
             </a:fld>
             <a:endParaRPr lang="en-US"/>
           </a:p>
@@ -2943,7 +2943,7 @@
           <a:p>
             <a:fld id="{C5594784-FE11-467A-96E8-611C48A72E76}" type="datetimeFigureOut">
               <a:rPr lang="en-US" smtClean="0"/>
-              <a:t>3/15/2021</a:t>
+              <a:t>5/3/2021</a:t>
             </a:fld>
             <a:endParaRPr lang="en-US"/>
           </a:p>
